--- a/Session1/Angular4.pptx
+++ b/Session1/Angular4.pptx
@@ -7,6 +7,14 @@
   <p:sldIdLst>
     <p:sldId id="256" r:id="rId2"/>
     <p:sldId id="257" r:id="rId3"/>
+    <p:sldId id="258" r:id="rId4"/>
+    <p:sldId id="259" r:id="rId5"/>
+    <p:sldId id="260" r:id="rId6"/>
+    <p:sldId id="261" r:id="rId7"/>
+    <p:sldId id="262" r:id="rId8"/>
+    <p:sldId id="263" r:id="rId9"/>
+    <p:sldId id="264" r:id="rId10"/>
+    <p:sldId id="265" r:id="rId11"/>
   </p:sldIdLst>
   <p:sldSz cx="12192000" cy="6858000"/>
   <p:notesSz cx="6858000" cy="9144000"/>
@@ -105,7 +113,16 @@
       </a:defRPr>
     </a:lvl9pPr>
   </p:defaultTextStyle>
+  <p:extLst>
+    <p:ext uri="{EFAFB233-063F-42B5-8137-9DF3F51BA10A}">
+      <p15:sldGuideLst xmlns:p15="http://schemas.microsoft.com/office/powerpoint/2012/main"/>
+    </p:ext>
+  </p:extLst>
 </p:presentation>
+</file>
+
+<file path=ppt/revisionInfo.xml><?xml version="1.0" encoding="utf-8"?>
+<p1510:revInfo xmlns:a="http://schemas.openxmlformats.org/drawingml/2006/main" xmlns:r="http://schemas.openxmlformats.org/officeDocument/2006/relationships" xmlns:p1510="http://schemas.microsoft.com/office/powerpoint/2015/10/main"/>
 </file>
 
 <file path=ppt/slideLayouts/slideLayout1.xml><?xml version="1.0" encoding="utf-8"?>
@@ -511,7 +528,7 @@
           <a:p>
             <a:fld id="{83284890-85D2-4D7B-8EF5-15A9C1DB8F42}" type="datetimeFigureOut">
               <a:rPr lang="en-US" dirty="0"/>
-              <a:t>9/14/2017</a:t>
+              <a:t>9/18/2017</a:t>
             </a:fld>
             <a:endParaRPr lang="en-US" dirty="0"/>
           </a:p>
@@ -686,7 +703,7 @@
           <a:p>
             <a:fld id="{87157CC2-0FC8-4686-B024-99790E0F5162}" type="datetimeFigureOut">
               <a:rPr lang="en-US" dirty="0"/>
-              <a:t>9/14/2017</a:t>
+              <a:t>9/18/2017</a:t>
             </a:fld>
             <a:endParaRPr lang="en-US" dirty="0"/>
           </a:p>
@@ -861,7 +878,7 @@
           <a:p>
             <a:fld id="{F6764DA5-CD3D-4590-A511-FCD3BC7A793E}" type="datetimeFigureOut">
               <a:rPr lang="en-US" dirty="0"/>
-              <a:t>9/14/2017</a:t>
+              <a:t>9/18/2017</a:t>
             </a:fld>
             <a:endParaRPr lang="en-US" dirty="0"/>
           </a:p>
@@ -1026,7 +1043,7 @@
           <a:p>
             <a:fld id="{82F5661D-6934-4B32-B92C-470368BF1EC6}" type="datetimeFigureOut">
               <a:rPr lang="en-US" dirty="0"/>
-              <a:t>9/14/2017</a:t>
+              <a:t>9/18/2017</a:t>
             </a:fld>
             <a:endParaRPr lang="en-US" dirty="0"/>
           </a:p>
@@ -1334,7 +1351,7 @@
           <a:p>
             <a:fld id="{C6F822A4-8DA6-4447-9B1F-C5DB58435268}" type="datetimeFigureOut">
               <a:rPr lang="en-US" dirty="0"/>
-              <a:t>9/14/2017</a:t>
+              <a:t>9/18/2017</a:t>
             </a:fld>
             <a:endParaRPr lang="en-US" dirty="0"/>
           </a:p>
@@ -1716,7 +1733,7 @@
           <a:p>
             <a:fld id="{E548D31E-DCDA-41A7-9C67-C4B11B94D21D}" type="datetimeFigureOut">
               <a:rPr lang="en-US" dirty="0"/>
-              <a:t>9/14/2017</a:t>
+              <a:t>9/18/2017</a:t>
             </a:fld>
             <a:endParaRPr lang="en-US" dirty="0"/>
           </a:p>
@@ -2145,7 +2162,7 @@
           <a:p>
             <a:fld id="{9B3762C0-B258-48F1-ADE6-176B4174CCDD}" type="datetimeFigureOut">
               <a:rPr lang="en-US" dirty="0"/>
-              <a:t>9/14/2017</a:t>
+              <a:t>9/18/2017</a:t>
             </a:fld>
             <a:endParaRPr lang="en-US" dirty="0"/>
           </a:p>
@@ -2258,7 +2275,7 @@
           <a:p>
             <a:fld id="{677919A6-33EB-49BD-A62F-1FA56B9F9712}" type="datetimeFigureOut">
               <a:rPr lang="en-US" dirty="0"/>
-              <a:t>9/14/2017</a:t>
+              <a:t>9/18/2017</a:t>
             </a:fld>
             <a:endParaRPr lang="en-US" dirty="0"/>
           </a:p>
@@ -2348,7 +2365,7 @@
           <a:p>
             <a:fld id="{CA4E7D1B-D673-4CF6-8672-009D42ABD2A0}" type="datetimeFigureOut">
               <a:rPr lang="en-US" dirty="0"/>
-              <a:t>9/14/2017</a:t>
+              <a:t>9/18/2017</a:t>
             </a:fld>
             <a:endParaRPr lang="en-US" dirty="0"/>
           </a:p>
@@ -2693,7 +2710,7 @@
           <a:p>
             <a:fld id="{DA16AA21-1863-4931-97CB-99D0A168701B}" type="datetimeFigureOut">
               <a:rPr lang="en-US" dirty="0"/>
-              <a:t>9/14/2017</a:t>
+              <a:t>9/18/2017</a:t>
             </a:fld>
             <a:endParaRPr lang="en-US" dirty="0"/>
           </a:p>
@@ -3113,7 +3130,7 @@
           <a:p>
             <a:fld id="{3772C379-9A7C-4C87-A116-CBE9F58B04C5}" type="datetimeFigureOut">
               <a:rPr lang="en-US" dirty="0"/>
-              <a:t>9/14/2017</a:t>
+              <a:t>9/18/2017</a:t>
             </a:fld>
             <a:endParaRPr lang="en-US" dirty="0"/>
           </a:p>
@@ -3389,7 +3406,7 @@
           <a:p>
             <a:fld id="{8664C608-40B1-4030-A28D-5B74BC98ADCE}" type="datetimeFigureOut">
               <a:rPr lang="en-US" dirty="0"/>
-              <a:t>9/14/2017</a:t>
+              <a:t>9/18/2017</a:t>
             </a:fld>
             <a:endParaRPr lang="en-US" dirty="0"/>
           </a:p>
@@ -4014,9 +4031,16 @@
           <a:p>
             <a:r>
               <a:rPr lang="de-DE" dirty="0"/>
-              <a:t>Session 1 : Interoduction</a:t>
-            </a:r>
-            <a:endParaRPr lang="en-DE" dirty="0"/>
+              <a:t>Session 1 : Introduction</a:t>
+            </a:r>
+          </a:p>
+          <a:p>
+            <a:pPr algn="r"/>
+            <a:r>
+              <a:rPr lang="de-DE" sz="1100" dirty="0"/>
+              <a:t>Ayman El-Shayeb 2017</a:t>
+            </a:r>
+            <a:endParaRPr lang="en-DE" sz="1100" dirty="0"/>
           </a:p>
         </p:txBody>
       </p:sp>
@@ -4024,6 +4048,90 @@
     <p:extLst>
       <p:ext uri="{BB962C8B-B14F-4D97-AF65-F5344CB8AC3E}">
         <p14:creationId xmlns:p14="http://schemas.microsoft.com/office/powerpoint/2010/main" val="808173356"/>
+      </p:ext>
+    </p:extLst>
+  </p:cSld>
+  <p:clrMapOvr>
+    <a:masterClrMapping/>
+  </p:clrMapOvr>
+</p:sld>
+</file>
+
+<file path=ppt/slides/slide10.xml><?xml version="1.0" encoding="utf-8"?>
+<p:sld xmlns:a="http://schemas.openxmlformats.org/drawingml/2006/main" xmlns:r="http://schemas.openxmlformats.org/officeDocument/2006/relationships" xmlns:p="http://schemas.openxmlformats.org/presentationml/2006/main">
+  <p:cSld>
+    <p:spTree>
+      <p:nvGrpSpPr>
+        <p:cNvPr id="1" name=""/>
+        <p:cNvGrpSpPr/>
+        <p:nvPr/>
+      </p:nvGrpSpPr>
+      <p:grpSpPr>
+        <a:xfrm>
+          <a:off x="0" y="0"/>
+          <a:ext cx="0" cy="0"/>
+          <a:chOff x="0" y="0"/>
+          <a:chExt cx="0" cy="0"/>
+        </a:xfrm>
+      </p:grpSpPr>
+      <p:sp>
+        <p:nvSpPr>
+          <p:cNvPr id="2" name="Title 1">
+            <a:extLst>
+              <a:ext uri="{FF2B5EF4-FFF2-40B4-BE49-F238E27FC236}">
+                <a16:creationId xmlns:a16="http://schemas.microsoft.com/office/drawing/2014/main" id="{BDB36A99-7CE6-4EE7-8EC8-E6F6802E5763}"/>
+              </a:ext>
+            </a:extLst>
+          </p:cNvPr>
+          <p:cNvSpPr>
+            <a:spLocks noGrp="1"/>
+          </p:cNvSpPr>
+          <p:nvPr>
+            <p:ph type="title"/>
+          </p:nvPr>
+        </p:nvSpPr>
+        <p:spPr/>
+        <p:txBody>
+          <a:bodyPr/>
+          <a:lstStyle/>
+          <a:p>
+            <a:r>
+              <a:rPr lang="de-DE" dirty="0"/>
+              <a:t>TypeScript</a:t>
+            </a:r>
+            <a:endParaRPr lang="en-DE" dirty="0"/>
+          </a:p>
+        </p:txBody>
+      </p:sp>
+      <p:sp>
+        <p:nvSpPr>
+          <p:cNvPr id="3" name="Content Placeholder 2">
+            <a:extLst>
+              <a:ext uri="{FF2B5EF4-FFF2-40B4-BE49-F238E27FC236}">
+                <a16:creationId xmlns:a16="http://schemas.microsoft.com/office/drawing/2014/main" id="{CF11AFC9-C427-4075-AD4D-C72A0D919099}"/>
+              </a:ext>
+            </a:extLst>
+          </p:cNvPr>
+          <p:cNvSpPr>
+            <a:spLocks noGrp="1"/>
+          </p:cNvSpPr>
+          <p:nvPr>
+            <p:ph idx="1"/>
+          </p:nvPr>
+        </p:nvSpPr>
+        <p:spPr/>
+        <p:txBody>
+          <a:bodyPr/>
+          <a:lstStyle/>
+          <a:p>
+            <a:endParaRPr lang="en-DE"/>
+          </a:p>
+        </p:txBody>
+      </p:sp>
+    </p:spTree>
+    <p:extLst>
+      <p:ext uri="{BB962C8B-B14F-4D97-AF65-F5344CB8AC3E}">
+        <p14:creationId xmlns:p14="http://schemas.microsoft.com/office/powerpoint/2010/main" val="1852658122"/>
       </p:ext>
     </p:extLst>
   </p:cSld>
@@ -4108,25 +4216,46 @@
           <a:p>
             <a:r>
               <a:rPr lang="de-DE" dirty="0"/>
-              <a:t>Session 2: </a:t>
+              <a:t>Session 2: Basic component</a:t>
             </a:r>
           </a:p>
           <a:p>
             <a:r>
               <a:rPr lang="de-DE" dirty="0"/>
-              <a:t>Session 3:</a:t>
-            </a:r>
+              <a:t>Session 3: </a:t>
+            </a:r>
+            <a:r>
+              <a:rPr lang="en-US" dirty="0"/>
+              <a:t>Components , Services , Dependency Injections, Pipes, Routing</a:t>
+            </a:r>
+            <a:endParaRPr lang="de-DE" dirty="0"/>
           </a:p>
           <a:p>
             <a:r>
               <a:rPr lang="de-DE" dirty="0"/>
-              <a:t>Session 4:</a:t>
-            </a:r>
-          </a:p>
-          <a:p>
-            <a:r>
-              <a:rPr lang="de-DE"/>
-              <a:t>Session 5:</a:t>
+              <a:t>Session 4: Forms</a:t>
+            </a:r>
+          </a:p>
+          <a:p>
+            <a:r>
+              <a:rPr lang="de-DE" dirty="0"/>
+              <a:t>Session 5: </a:t>
+            </a:r>
+            <a:r>
+              <a:rPr lang="en-US" dirty="0" err="1"/>
+              <a:t>Observal</a:t>
+            </a:r>
+            <a:r>
+              <a:rPr lang="en-US" dirty="0"/>
+              <a:t> , </a:t>
+            </a:r>
+            <a:r>
+              <a:rPr lang="en-US" dirty="0" err="1"/>
+              <a:t>AsyncPipe</a:t>
+            </a:r>
+            <a:r>
+              <a:rPr lang="en-US" dirty="0"/>
+              <a:t> and HTTP client</a:t>
             </a:r>
             <a:endParaRPr lang="en-DE" dirty="0"/>
           </a:p>
@@ -4136,6 +4265,899 @@
     <p:extLst>
       <p:ext uri="{BB962C8B-B14F-4D97-AF65-F5344CB8AC3E}">
         <p14:creationId xmlns:p14="http://schemas.microsoft.com/office/powerpoint/2010/main" val="321585193"/>
+      </p:ext>
+    </p:extLst>
+  </p:cSld>
+  <p:clrMapOvr>
+    <a:masterClrMapping/>
+  </p:clrMapOvr>
+</p:sld>
+</file>
+
+<file path=ppt/slides/slide3.xml><?xml version="1.0" encoding="utf-8"?>
+<p:sld xmlns:a="http://schemas.openxmlformats.org/drawingml/2006/main" xmlns:r="http://schemas.openxmlformats.org/officeDocument/2006/relationships" xmlns:p="http://schemas.openxmlformats.org/presentationml/2006/main">
+  <p:cSld>
+    <p:spTree>
+      <p:nvGrpSpPr>
+        <p:cNvPr id="1" name=""/>
+        <p:cNvGrpSpPr/>
+        <p:nvPr/>
+      </p:nvGrpSpPr>
+      <p:grpSpPr>
+        <a:xfrm>
+          <a:off x="0" y="0"/>
+          <a:ext cx="0" cy="0"/>
+          <a:chOff x="0" y="0"/>
+          <a:chExt cx="0" cy="0"/>
+        </a:xfrm>
+      </p:grpSpPr>
+      <p:sp>
+        <p:nvSpPr>
+          <p:cNvPr id="2" name="Title 1">
+            <a:extLst>
+              <a:ext uri="{FF2B5EF4-FFF2-40B4-BE49-F238E27FC236}">
+                <a16:creationId xmlns:a16="http://schemas.microsoft.com/office/drawing/2014/main" id="{9819A256-B72C-482B-983B-E5C0C87356FA}"/>
+              </a:ext>
+            </a:extLst>
+          </p:cNvPr>
+          <p:cNvSpPr>
+            <a:spLocks noGrp="1"/>
+          </p:cNvSpPr>
+          <p:nvPr>
+            <p:ph type="title"/>
+          </p:nvPr>
+        </p:nvSpPr>
+        <p:spPr/>
+        <p:txBody>
+          <a:bodyPr/>
+          <a:lstStyle/>
+          <a:p>
+            <a:r>
+              <a:rPr lang="de-DE" dirty="0"/>
+              <a:t>Road map</a:t>
+            </a:r>
+            <a:endParaRPr lang="en-DE" dirty="0"/>
+          </a:p>
+        </p:txBody>
+      </p:sp>
+      <p:sp>
+        <p:nvSpPr>
+          <p:cNvPr id="3" name="Content Placeholder 2">
+            <a:extLst>
+              <a:ext uri="{FF2B5EF4-FFF2-40B4-BE49-F238E27FC236}">
+                <a16:creationId xmlns:a16="http://schemas.microsoft.com/office/drawing/2014/main" id="{622F014E-33E1-4595-AE7A-352FE12B1F0B}"/>
+              </a:ext>
+            </a:extLst>
+          </p:cNvPr>
+          <p:cNvSpPr>
+            <a:spLocks noGrp="1"/>
+          </p:cNvSpPr>
+          <p:nvPr>
+            <p:ph idx="1"/>
+          </p:nvPr>
+        </p:nvSpPr>
+        <p:spPr/>
+        <p:txBody>
+          <a:bodyPr>
+            <a:normAutofit/>
+          </a:bodyPr>
+          <a:lstStyle/>
+          <a:p>
+            <a:r>
+              <a:rPr lang="de-DE" dirty="0"/>
+              <a:t>In each session</a:t>
+            </a:r>
+          </a:p>
+          <a:p>
+            <a:pPr lvl="1"/>
+            <a:r>
+              <a:rPr lang="de-DE" dirty="0"/>
+              <a:t>Explaination to Session topic and practic example</a:t>
+            </a:r>
+          </a:p>
+          <a:p>
+            <a:pPr lvl="1"/>
+            <a:r>
+              <a:rPr lang="de-DE" dirty="0"/>
+              <a:t>There will be excerise to be solve after the session</a:t>
+            </a:r>
+          </a:p>
+          <a:p>
+            <a:pPr lvl="1"/>
+            <a:r>
+              <a:rPr lang="de-DE" dirty="0"/>
+              <a:t>Solution of the excerise for refrencing, will be online for download</a:t>
+            </a:r>
+          </a:p>
+          <a:p>
+            <a:pPr lvl="1"/>
+            <a:r>
+              <a:rPr lang="de-DE" dirty="0"/>
+              <a:t>Session attender should solve the excerise and send for review </a:t>
+            </a:r>
+          </a:p>
+          <a:p>
+            <a:r>
+              <a:rPr lang="de-DE" dirty="0"/>
+              <a:t>The excerises and solutions download link is </a:t>
+            </a:r>
+          </a:p>
+          <a:p>
+            <a:pPr marL="0" indent="0">
+              <a:buNone/>
+            </a:pPr>
+            <a:r>
+              <a:rPr lang="de-DE" dirty="0">
+                <a:hlinkClick r:id="rId2"/>
+              </a:rPr>
+              <a:t>https://github.com/aymanElshayeb/angular4-course</a:t>
+            </a:r>
+            <a:endParaRPr lang="de-DE" dirty="0"/>
+          </a:p>
+          <a:p>
+            <a:pPr marL="274320" lvl="1" indent="0">
+              <a:buNone/>
+            </a:pPr>
+            <a:endParaRPr lang="de-DE" dirty="0"/>
+          </a:p>
+          <a:p>
+            <a:endParaRPr lang="en-DE" dirty="0"/>
+          </a:p>
+        </p:txBody>
+      </p:sp>
+    </p:spTree>
+    <p:extLst>
+      <p:ext uri="{BB962C8B-B14F-4D97-AF65-F5344CB8AC3E}">
+        <p14:creationId xmlns:p14="http://schemas.microsoft.com/office/powerpoint/2010/main" val="3009008911"/>
+      </p:ext>
+    </p:extLst>
+  </p:cSld>
+  <p:clrMapOvr>
+    <a:masterClrMapping/>
+  </p:clrMapOvr>
+</p:sld>
+</file>
+
+<file path=ppt/slides/slide4.xml><?xml version="1.0" encoding="utf-8"?>
+<p:sld xmlns:a="http://schemas.openxmlformats.org/drawingml/2006/main" xmlns:r="http://schemas.openxmlformats.org/officeDocument/2006/relationships" xmlns:p="http://schemas.openxmlformats.org/presentationml/2006/main">
+  <p:cSld>
+    <p:spTree>
+      <p:nvGrpSpPr>
+        <p:cNvPr id="1" name=""/>
+        <p:cNvGrpSpPr/>
+        <p:nvPr/>
+      </p:nvGrpSpPr>
+      <p:grpSpPr>
+        <a:xfrm>
+          <a:off x="0" y="0"/>
+          <a:ext cx="0" cy="0"/>
+          <a:chOff x="0" y="0"/>
+          <a:chExt cx="0" cy="0"/>
+        </a:xfrm>
+      </p:grpSpPr>
+      <p:sp>
+        <p:nvSpPr>
+          <p:cNvPr id="2" name="Title 1">
+            <a:extLst>
+              <a:ext uri="{FF2B5EF4-FFF2-40B4-BE49-F238E27FC236}">
+                <a16:creationId xmlns:a16="http://schemas.microsoft.com/office/drawing/2014/main" id="{C282FC9E-4286-403E-80FB-3938F5515081}"/>
+              </a:ext>
+            </a:extLst>
+          </p:cNvPr>
+          <p:cNvSpPr>
+            <a:spLocks noGrp="1"/>
+          </p:cNvSpPr>
+          <p:nvPr>
+            <p:ph type="title"/>
+          </p:nvPr>
+        </p:nvSpPr>
+        <p:spPr/>
+        <p:txBody>
+          <a:bodyPr/>
+          <a:lstStyle/>
+          <a:p>
+            <a:r>
+              <a:rPr lang="de-DE" dirty="0"/>
+              <a:t>References</a:t>
+            </a:r>
+            <a:endParaRPr lang="en-DE" dirty="0"/>
+          </a:p>
+        </p:txBody>
+      </p:sp>
+      <p:sp>
+        <p:nvSpPr>
+          <p:cNvPr id="3" name="Content Placeholder 2">
+            <a:extLst>
+              <a:ext uri="{FF2B5EF4-FFF2-40B4-BE49-F238E27FC236}">
+                <a16:creationId xmlns:a16="http://schemas.microsoft.com/office/drawing/2014/main" id="{E920FBBF-6A20-484E-9422-5592AE130A32}"/>
+              </a:ext>
+            </a:extLst>
+          </p:cNvPr>
+          <p:cNvSpPr>
+            <a:spLocks noGrp="1"/>
+          </p:cNvSpPr>
+          <p:nvPr>
+            <p:ph idx="1"/>
+          </p:nvPr>
+        </p:nvSpPr>
+        <p:spPr/>
+        <p:txBody>
+          <a:bodyPr/>
+          <a:lstStyle/>
+          <a:p>
+            <a:r>
+              <a:rPr lang="en-US" dirty="0"/>
+              <a:t>building modern web applications using angular  (Book)</a:t>
+            </a:r>
+          </a:p>
+          <a:p>
+            <a:pPr marL="0" indent="0">
+              <a:buNone/>
+            </a:pPr>
+            <a:r>
+              <a:rPr lang="en-US" dirty="0">
+                <a:hlinkClick r:id="rId2"/>
+              </a:rPr>
+              <a:t>https://www.packtpub.com/web-development/building-modern-web-applications-using-angular</a:t>
+            </a:r>
+            <a:endParaRPr lang="en-US" dirty="0"/>
+          </a:p>
+          <a:p>
+            <a:r>
+              <a:rPr lang="en-US" dirty="0"/>
+              <a:t>Angular 4 documentations</a:t>
+            </a:r>
+          </a:p>
+          <a:p>
+            <a:pPr marL="0" indent="0">
+              <a:buNone/>
+            </a:pPr>
+            <a:r>
+              <a:rPr lang="de-DE" dirty="0">
+                <a:hlinkClick r:id="rId3"/>
+              </a:rPr>
+              <a:t>https://angular.io/</a:t>
+            </a:r>
+            <a:endParaRPr lang="de-DE" dirty="0"/>
+          </a:p>
+          <a:p>
+            <a:r>
+              <a:rPr lang="en-US" dirty="0"/>
+              <a:t>Starting with Angular 4  (Video book)</a:t>
+            </a:r>
+          </a:p>
+          <a:p>
+            <a:pPr marL="0" indent="0">
+              <a:buNone/>
+            </a:pPr>
+            <a:r>
+              <a:rPr lang="en-US" dirty="0">
+                <a:hlinkClick r:id="rId4"/>
+              </a:rPr>
+              <a:t>http://stoneriverelearning.com/p/starting-with-angular</a:t>
+            </a:r>
+            <a:endParaRPr lang="en-US" dirty="0"/>
+          </a:p>
+          <a:p>
+            <a:pPr marL="0" indent="0">
+              <a:buNone/>
+            </a:pPr>
+            <a:endParaRPr lang="en-US" dirty="0"/>
+          </a:p>
+          <a:p>
+            <a:pPr marL="0" indent="0">
+              <a:buNone/>
+            </a:pPr>
+            <a:endParaRPr lang="de-DE" dirty="0"/>
+          </a:p>
+          <a:p>
+            <a:endParaRPr lang="en-DE" dirty="0"/>
+          </a:p>
+        </p:txBody>
+      </p:sp>
+    </p:spTree>
+    <p:extLst>
+      <p:ext uri="{BB962C8B-B14F-4D97-AF65-F5344CB8AC3E}">
+        <p14:creationId xmlns:p14="http://schemas.microsoft.com/office/powerpoint/2010/main" val="1900259177"/>
+      </p:ext>
+    </p:extLst>
+  </p:cSld>
+  <p:clrMapOvr>
+    <a:masterClrMapping/>
+  </p:clrMapOvr>
+</p:sld>
+</file>
+
+<file path=ppt/slides/slide5.xml><?xml version="1.0" encoding="utf-8"?>
+<p:sld xmlns:a="http://schemas.openxmlformats.org/drawingml/2006/main" xmlns:r="http://schemas.openxmlformats.org/officeDocument/2006/relationships" xmlns:p="http://schemas.openxmlformats.org/presentationml/2006/main">
+  <p:cSld>
+    <p:spTree>
+      <p:nvGrpSpPr>
+        <p:cNvPr id="1" name=""/>
+        <p:cNvGrpSpPr/>
+        <p:nvPr/>
+      </p:nvGrpSpPr>
+      <p:grpSpPr>
+        <a:xfrm>
+          <a:off x="0" y="0"/>
+          <a:ext cx="0" cy="0"/>
+          <a:chOff x="0" y="0"/>
+          <a:chExt cx="0" cy="0"/>
+        </a:xfrm>
+      </p:grpSpPr>
+      <p:sp>
+        <p:nvSpPr>
+          <p:cNvPr id="2" name="Title 1">
+            <a:extLst>
+              <a:ext uri="{FF2B5EF4-FFF2-40B4-BE49-F238E27FC236}">
+                <a16:creationId xmlns:a16="http://schemas.microsoft.com/office/drawing/2014/main" id="{3A4B3A4D-A4A9-4AFB-8081-ED1FC5C2F663}"/>
+              </a:ext>
+            </a:extLst>
+          </p:cNvPr>
+          <p:cNvSpPr>
+            <a:spLocks noGrp="1"/>
+          </p:cNvSpPr>
+          <p:nvPr>
+            <p:ph type="title"/>
+          </p:nvPr>
+        </p:nvSpPr>
+        <p:spPr/>
+        <p:txBody>
+          <a:bodyPr/>
+          <a:lstStyle/>
+          <a:p>
+            <a:r>
+              <a:rPr lang="de-DE" dirty="0"/>
+              <a:t>What is Angluar </a:t>
+            </a:r>
+            <a:endParaRPr lang="en-DE" dirty="0"/>
+          </a:p>
+        </p:txBody>
+      </p:sp>
+      <p:sp>
+        <p:nvSpPr>
+          <p:cNvPr id="3" name="Content Placeholder 2">
+            <a:extLst>
+              <a:ext uri="{FF2B5EF4-FFF2-40B4-BE49-F238E27FC236}">
+                <a16:creationId xmlns:a16="http://schemas.microsoft.com/office/drawing/2014/main" id="{E5B952A5-5315-49D5-8B78-548824A34170}"/>
+              </a:ext>
+            </a:extLst>
+          </p:cNvPr>
+          <p:cNvSpPr>
+            <a:spLocks noGrp="1"/>
+          </p:cNvSpPr>
+          <p:nvPr>
+            <p:ph idx="1"/>
+          </p:nvPr>
+        </p:nvSpPr>
+        <p:spPr/>
+        <p:txBody>
+          <a:bodyPr/>
+          <a:lstStyle/>
+          <a:p>
+            <a:r>
+              <a:rPr lang="de-DE" dirty="0"/>
+              <a:t>Angular is an open source javascript framework to build Web  , mobile web, native mobile and native desktop applications</a:t>
+            </a:r>
+          </a:p>
+          <a:p>
+            <a:r>
+              <a:rPr lang="de-DE" dirty="0"/>
+              <a:t>We can use it in combination with server-side web applicaitons like Node.js</a:t>
+            </a:r>
+          </a:p>
+          <a:p>
+            <a:r>
+              <a:rPr lang="de-DE" dirty="0"/>
+              <a:t>Angular 4 is successor to Angular 2 . Angular  2 is a totally new version of Angular 1 </a:t>
+            </a:r>
+            <a:endParaRPr lang="en-DE" dirty="0"/>
+          </a:p>
+        </p:txBody>
+      </p:sp>
+    </p:spTree>
+    <p:extLst>
+      <p:ext uri="{BB962C8B-B14F-4D97-AF65-F5344CB8AC3E}">
+        <p14:creationId xmlns:p14="http://schemas.microsoft.com/office/powerpoint/2010/main" val="3300689863"/>
+      </p:ext>
+    </p:extLst>
+  </p:cSld>
+  <p:clrMapOvr>
+    <a:masterClrMapping/>
+  </p:clrMapOvr>
+</p:sld>
+</file>
+
+<file path=ppt/slides/slide6.xml><?xml version="1.0" encoding="utf-8"?>
+<p:sld xmlns:a="http://schemas.openxmlformats.org/drawingml/2006/main" xmlns:r="http://schemas.openxmlformats.org/officeDocument/2006/relationships" xmlns:p="http://schemas.openxmlformats.org/presentationml/2006/main">
+  <p:cSld>
+    <p:spTree>
+      <p:nvGrpSpPr>
+        <p:cNvPr id="1" name=""/>
+        <p:cNvGrpSpPr/>
+        <p:nvPr/>
+      </p:nvGrpSpPr>
+      <p:grpSpPr>
+        <a:xfrm>
+          <a:off x="0" y="0"/>
+          <a:ext cx="0" cy="0"/>
+          <a:chOff x="0" y="0"/>
+          <a:chExt cx="0" cy="0"/>
+        </a:xfrm>
+      </p:grpSpPr>
+      <p:sp>
+        <p:nvSpPr>
+          <p:cNvPr id="2" name="Title 1">
+            <a:extLst>
+              <a:ext uri="{FF2B5EF4-FFF2-40B4-BE49-F238E27FC236}">
+                <a16:creationId xmlns:a16="http://schemas.microsoft.com/office/drawing/2014/main" id="{CCC4EA52-D00D-4212-A5C8-92DCD4BD0F3C}"/>
+              </a:ext>
+            </a:extLst>
+          </p:cNvPr>
+          <p:cNvSpPr>
+            <a:spLocks noGrp="1"/>
+          </p:cNvSpPr>
+          <p:nvPr>
+            <p:ph type="title"/>
+          </p:nvPr>
+        </p:nvSpPr>
+        <p:spPr/>
+        <p:txBody>
+          <a:bodyPr/>
+          <a:lstStyle/>
+          <a:p>
+            <a:r>
+              <a:rPr lang="de-DE" dirty="0"/>
+              <a:t>Angular Versions</a:t>
+            </a:r>
+            <a:endParaRPr lang="en-DE" dirty="0"/>
+          </a:p>
+        </p:txBody>
+      </p:sp>
+      <p:sp>
+        <p:nvSpPr>
+          <p:cNvPr id="3" name="Content Placeholder 2">
+            <a:extLst>
+              <a:ext uri="{FF2B5EF4-FFF2-40B4-BE49-F238E27FC236}">
+                <a16:creationId xmlns:a16="http://schemas.microsoft.com/office/drawing/2014/main" id="{EB9D0E4B-061C-4A8E-BEC6-48406E3EAC63}"/>
+              </a:ext>
+            </a:extLst>
+          </p:cNvPr>
+          <p:cNvSpPr>
+            <a:spLocks noGrp="1"/>
+          </p:cNvSpPr>
+          <p:nvPr>
+            <p:ph idx="1"/>
+          </p:nvPr>
+        </p:nvSpPr>
+        <p:spPr/>
+        <p:txBody>
+          <a:bodyPr/>
+          <a:lstStyle/>
+          <a:p>
+            <a:r>
+              <a:rPr lang="en-US" dirty="0"/>
+              <a:t>Angular 1.x </a:t>
+            </a:r>
+          </a:p>
+          <a:p>
+            <a:pPr lvl="1"/>
+            <a:r>
+              <a:rPr lang="en-US" dirty="0"/>
+              <a:t>Developer community highly appreciates AngularJS 1 but it has some drawbacks </a:t>
+            </a:r>
+            <a:r>
+              <a:rPr lang="de-DE" dirty="0"/>
+              <a:t> </a:t>
+            </a:r>
+          </a:p>
+          <a:p>
+            <a:pPr lvl="2"/>
+            <a:r>
+              <a:rPr lang="de-DE" dirty="0"/>
+              <a:t>High learning curve</a:t>
+            </a:r>
+          </a:p>
+          <a:p>
+            <a:pPr lvl="2"/>
+            <a:r>
+              <a:rPr lang="de-DE" dirty="0"/>
+              <a:t>Not good Performance incase of complex appliation with huge data</a:t>
+            </a:r>
+          </a:p>
+          <a:p>
+            <a:pPr lvl="2"/>
+            <a:r>
+              <a:rPr lang="de-DE" dirty="0"/>
+              <a:t>API is some how complex</a:t>
+            </a:r>
+          </a:p>
+          <a:p>
+            <a:r>
+              <a:rPr lang="de-DE" dirty="0"/>
+              <a:t>Angular 2</a:t>
+            </a:r>
+          </a:p>
+          <a:p>
+            <a:pPr lvl="1"/>
+            <a:r>
+              <a:rPr lang="de-DE" dirty="0"/>
+              <a:t>Angular 2 is a new version of Angular . It is totally different concepts from Angular 1</a:t>
+            </a:r>
+          </a:p>
+          <a:p>
+            <a:pPr lvl="1"/>
+            <a:r>
+              <a:rPr lang="de-DE" dirty="0"/>
+              <a:t>It solves many of Angular 1 issues</a:t>
+            </a:r>
+          </a:p>
+          <a:p>
+            <a:r>
+              <a:rPr lang="de-DE" dirty="0"/>
+              <a:t>Angular 4 </a:t>
+            </a:r>
+          </a:p>
+          <a:p>
+            <a:pPr lvl="1"/>
+            <a:r>
+              <a:rPr lang="de-DE" dirty="0"/>
+              <a:t>It is the version after Angular 2 . It has the same concepts of Angular 2 but it addes a lot of new features for modern web applications </a:t>
+            </a:r>
+          </a:p>
+          <a:p>
+            <a:pPr marL="274320" lvl="1" indent="0">
+              <a:buNone/>
+            </a:pPr>
+            <a:r>
+              <a:rPr lang="de-DE" dirty="0"/>
+              <a:t> </a:t>
+            </a:r>
+            <a:endParaRPr lang="en-DE" dirty="0"/>
+          </a:p>
+        </p:txBody>
+      </p:sp>
+    </p:spTree>
+    <p:extLst>
+      <p:ext uri="{BB962C8B-B14F-4D97-AF65-F5344CB8AC3E}">
+        <p14:creationId xmlns:p14="http://schemas.microsoft.com/office/powerpoint/2010/main" val="29758507"/>
+      </p:ext>
+    </p:extLst>
+  </p:cSld>
+  <p:clrMapOvr>
+    <a:masterClrMapping/>
+  </p:clrMapOvr>
+</p:sld>
+</file>
+
+<file path=ppt/slides/slide7.xml><?xml version="1.0" encoding="utf-8"?>
+<p:sld xmlns:a="http://schemas.openxmlformats.org/drawingml/2006/main" xmlns:r="http://schemas.openxmlformats.org/officeDocument/2006/relationships" xmlns:p="http://schemas.openxmlformats.org/presentationml/2006/main">
+  <p:cSld>
+    <p:spTree>
+      <p:nvGrpSpPr>
+        <p:cNvPr id="1" name=""/>
+        <p:cNvGrpSpPr/>
+        <p:nvPr/>
+      </p:nvGrpSpPr>
+      <p:grpSpPr>
+        <a:xfrm>
+          <a:off x="0" y="0"/>
+          <a:ext cx="0" cy="0"/>
+          <a:chOff x="0" y="0"/>
+          <a:chExt cx="0" cy="0"/>
+        </a:xfrm>
+      </p:grpSpPr>
+      <p:sp>
+        <p:nvSpPr>
+          <p:cNvPr id="2" name="Title 1">
+            <a:extLst>
+              <a:ext uri="{FF2B5EF4-FFF2-40B4-BE49-F238E27FC236}">
+                <a16:creationId xmlns:a16="http://schemas.microsoft.com/office/drawing/2014/main" id="{3B294E89-E77D-4733-8DDE-B0E055CEBB0E}"/>
+              </a:ext>
+            </a:extLst>
+          </p:cNvPr>
+          <p:cNvSpPr>
+            <a:spLocks noGrp="1"/>
+          </p:cNvSpPr>
+          <p:nvPr>
+            <p:ph type="title"/>
+          </p:nvPr>
+        </p:nvSpPr>
+        <p:spPr/>
+        <p:txBody>
+          <a:bodyPr/>
+          <a:lstStyle/>
+          <a:p>
+            <a:r>
+              <a:rPr lang="de-DE" dirty="0"/>
+              <a:t>Angular 4 new features</a:t>
+            </a:r>
+            <a:endParaRPr lang="en-DE" dirty="0"/>
+          </a:p>
+        </p:txBody>
+      </p:sp>
+      <p:sp>
+        <p:nvSpPr>
+          <p:cNvPr id="3" name="Content Placeholder 2">
+            <a:extLst>
+              <a:ext uri="{FF2B5EF4-FFF2-40B4-BE49-F238E27FC236}">
+                <a16:creationId xmlns:a16="http://schemas.microsoft.com/office/drawing/2014/main" id="{A68C8CC3-B1B6-4713-A4DE-57F112C5EBF9}"/>
+              </a:ext>
+            </a:extLst>
+          </p:cNvPr>
+          <p:cNvSpPr>
+            <a:spLocks noGrp="1"/>
+          </p:cNvSpPr>
+          <p:nvPr>
+            <p:ph idx="1"/>
+          </p:nvPr>
+        </p:nvSpPr>
+        <p:spPr/>
+        <p:txBody>
+          <a:bodyPr>
+            <a:normAutofit/>
+          </a:bodyPr>
+          <a:lstStyle/>
+          <a:p>
+            <a:r>
+              <a:rPr lang="en-US" dirty="0"/>
+              <a:t>Components</a:t>
+            </a:r>
+          </a:p>
+          <a:p>
+            <a:r>
+              <a:rPr lang="en-US" dirty="0"/>
+              <a:t>New templating syntax</a:t>
+            </a:r>
+          </a:p>
+          <a:p>
+            <a:r>
+              <a:rPr lang="en-US" dirty="0"/>
+              <a:t>Unidirectional data flow</a:t>
+            </a:r>
+          </a:p>
+          <a:p>
+            <a:r>
+              <a:rPr lang="en-US" dirty="0"/>
+              <a:t>New component router</a:t>
+            </a:r>
+          </a:p>
+          <a:p>
+            <a:r>
+              <a:rPr lang="en-US" dirty="0"/>
+              <a:t>Observables</a:t>
+            </a:r>
+          </a:p>
+          <a:p>
+            <a:r>
+              <a:rPr lang="en-US" dirty="0"/>
+              <a:t>New languages for development ( TypeScript, …)</a:t>
+            </a:r>
+          </a:p>
+          <a:p>
+            <a:r>
+              <a:rPr lang="de-DE" dirty="0"/>
+              <a:t> and more...</a:t>
+            </a:r>
+            <a:endParaRPr lang="en-DE" dirty="0"/>
+          </a:p>
+        </p:txBody>
+      </p:sp>
+    </p:spTree>
+    <p:extLst>
+      <p:ext uri="{BB962C8B-B14F-4D97-AF65-F5344CB8AC3E}">
+        <p14:creationId xmlns:p14="http://schemas.microsoft.com/office/powerpoint/2010/main" val="2947151928"/>
+      </p:ext>
+    </p:extLst>
+  </p:cSld>
+  <p:clrMapOvr>
+    <a:masterClrMapping/>
+  </p:clrMapOvr>
+</p:sld>
+</file>
+
+<file path=ppt/slides/slide8.xml><?xml version="1.0" encoding="utf-8"?>
+<p:sld xmlns:a="http://schemas.openxmlformats.org/drawingml/2006/main" xmlns:r="http://schemas.openxmlformats.org/officeDocument/2006/relationships" xmlns:p="http://schemas.openxmlformats.org/presentationml/2006/main">
+  <p:cSld>
+    <p:spTree>
+      <p:nvGrpSpPr>
+        <p:cNvPr id="1" name=""/>
+        <p:cNvGrpSpPr/>
+        <p:nvPr/>
+      </p:nvGrpSpPr>
+      <p:grpSpPr>
+        <a:xfrm>
+          <a:off x="0" y="0"/>
+          <a:ext cx="0" cy="0"/>
+          <a:chOff x="0" y="0"/>
+          <a:chExt cx="0" cy="0"/>
+        </a:xfrm>
+      </p:grpSpPr>
+      <p:sp>
+        <p:nvSpPr>
+          <p:cNvPr id="2" name="Title 1">
+            <a:extLst>
+              <a:ext uri="{FF2B5EF4-FFF2-40B4-BE49-F238E27FC236}">
+                <a16:creationId xmlns:a16="http://schemas.microsoft.com/office/drawing/2014/main" id="{0277C4DF-1A8A-41AF-9BFE-648D07717AA9}"/>
+              </a:ext>
+            </a:extLst>
+          </p:cNvPr>
+          <p:cNvSpPr>
+            <a:spLocks noGrp="1"/>
+          </p:cNvSpPr>
+          <p:nvPr>
+            <p:ph type="title"/>
+          </p:nvPr>
+        </p:nvSpPr>
+        <p:spPr/>
+        <p:txBody>
+          <a:bodyPr/>
+          <a:lstStyle/>
+          <a:p>
+            <a:r>
+              <a:rPr lang="de-DE" dirty="0"/>
+              <a:t>Hello World</a:t>
+            </a:r>
+            <a:endParaRPr lang="en-DE" dirty="0"/>
+          </a:p>
+        </p:txBody>
+      </p:sp>
+      <p:sp>
+        <p:nvSpPr>
+          <p:cNvPr id="3" name="Content Placeholder 2">
+            <a:extLst>
+              <a:ext uri="{FF2B5EF4-FFF2-40B4-BE49-F238E27FC236}">
+                <a16:creationId xmlns:a16="http://schemas.microsoft.com/office/drawing/2014/main" id="{85C1780D-1289-4FAC-B0DB-40609240F6DB}"/>
+              </a:ext>
+            </a:extLst>
+          </p:cNvPr>
+          <p:cNvSpPr>
+            <a:spLocks noGrp="1"/>
+          </p:cNvSpPr>
+          <p:nvPr>
+            <p:ph idx="1"/>
+          </p:nvPr>
+        </p:nvSpPr>
+        <p:spPr/>
+        <p:txBody>
+          <a:bodyPr/>
+          <a:lstStyle/>
+          <a:p>
+            <a:r>
+              <a:rPr lang="de-DE" dirty="0"/>
+              <a:t>Live Demo </a:t>
+            </a:r>
+          </a:p>
+          <a:p>
+            <a:pPr lvl="1"/>
+            <a:r>
+              <a:rPr lang="de-DE" dirty="0"/>
+              <a:t>Set up Enviroment</a:t>
+            </a:r>
+          </a:p>
+          <a:p>
+            <a:pPr lvl="2"/>
+            <a:r>
+              <a:rPr lang="de-DE" dirty="0"/>
+              <a:t>Node.js</a:t>
+            </a:r>
+          </a:p>
+          <a:p>
+            <a:pPr lvl="2"/>
+            <a:r>
+              <a:rPr lang="de-DE" dirty="0"/>
+              <a:t>TypeScript</a:t>
+            </a:r>
+          </a:p>
+          <a:p>
+            <a:pPr lvl="2"/>
+            <a:r>
+              <a:rPr lang="de-DE" dirty="0"/>
+              <a:t>Angular CLI</a:t>
+            </a:r>
+          </a:p>
+          <a:p>
+            <a:pPr lvl="1"/>
+            <a:r>
+              <a:rPr lang="de-DE" dirty="0"/>
+              <a:t>Hello Worlds</a:t>
+            </a:r>
+            <a:endParaRPr lang="en-DE" dirty="0"/>
+          </a:p>
+        </p:txBody>
+      </p:sp>
+    </p:spTree>
+    <p:extLst>
+      <p:ext uri="{BB962C8B-B14F-4D97-AF65-F5344CB8AC3E}">
+        <p14:creationId xmlns:p14="http://schemas.microsoft.com/office/powerpoint/2010/main" val="1939353323"/>
+      </p:ext>
+    </p:extLst>
+  </p:cSld>
+  <p:clrMapOvr>
+    <a:masterClrMapping/>
+  </p:clrMapOvr>
+</p:sld>
+</file>
+
+<file path=ppt/slides/slide9.xml><?xml version="1.0" encoding="utf-8"?>
+<p:sld xmlns:a="http://schemas.openxmlformats.org/drawingml/2006/main" xmlns:r="http://schemas.openxmlformats.org/officeDocument/2006/relationships" xmlns:p="http://schemas.openxmlformats.org/presentationml/2006/main">
+  <p:cSld>
+    <p:spTree>
+      <p:nvGrpSpPr>
+        <p:cNvPr id="1" name=""/>
+        <p:cNvGrpSpPr/>
+        <p:nvPr/>
+      </p:nvGrpSpPr>
+      <p:grpSpPr>
+        <a:xfrm>
+          <a:off x="0" y="0"/>
+          <a:ext cx="0" cy="0"/>
+          <a:chOff x="0" y="0"/>
+          <a:chExt cx="0" cy="0"/>
+        </a:xfrm>
+      </p:grpSpPr>
+      <p:sp>
+        <p:nvSpPr>
+          <p:cNvPr id="2" name="Title 1">
+            <a:extLst>
+              <a:ext uri="{FF2B5EF4-FFF2-40B4-BE49-F238E27FC236}">
+                <a16:creationId xmlns:a16="http://schemas.microsoft.com/office/drawing/2014/main" id="{EA16CA69-B2C9-436E-A16E-51B2B366404E}"/>
+              </a:ext>
+            </a:extLst>
+          </p:cNvPr>
+          <p:cNvSpPr>
+            <a:spLocks noGrp="1"/>
+          </p:cNvSpPr>
+          <p:nvPr>
+            <p:ph type="title"/>
+          </p:nvPr>
+        </p:nvSpPr>
+        <p:spPr/>
+        <p:txBody>
+          <a:bodyPr/>
+          <a:lstStyle/>
+          <a:p>
+            <a:r>
+              <a:rPr lang="de-DE" dirty="0"/>
+              <a:t>Closer Look to Hello World</a:t>
+            </a:r>
+            <a:endParaRPr lang="en-DE" dirty="0"/>
+          </a:p>
+        </p:txBody>
+      </p:sp>
+      <p:sp>
+        <p:nvSpPr>
+          <p:cNvPr id="3" name="Content Placeholder 2">
+            <a:extLst>
+              <a:ext uri="{FF2B5EF4-FFF2-40B4-BE49-F238E27FC236}">
+                <a16:creationId xmlns:a16="http://schemas.microsoft.com/office/drawing/2014/main" id="{C5FB6F83-DC2A-4518-BEB5-C7704094E4A6}"/>
+              </a:ext>
+            </a:extLst>
+          </p:cNvPr>
+          <p:cNvSpPr>
+            <a:spLocks noGrp="1"/>
+          </p:cNvSpPr>
+          <p:nvPr>
+            <p:ph idx="1"/>
+          </p:nvPr>
+        </p:nvSpPr>
+        <p:spPr/>
+        <p:txBody>
+          <a:bodyPr/>
+          <a:lstStyle/>
+          <a:p>
+            <a:r>
+              <a:rPr lang="de-DE" dirty="0"/>
+              <a:t>Structure Hello World structure</a:t>
+            </a:r>
+            <a:endParaRPr lang="en-DE" dirty="0"/>
+          </a:p>
+        </p:txBody>
+      </p:sp>
+    </p:spTree>
+    <p:extLst>
+      <p:ext uri="{BB962C8B-B14F-4D97-AF65-F5344CB8AC3E}">
+        <p14:creationId xmlns:p14="http://schemas.microsoft.com/office/powerpoint/2010/main" val="1205264492"/>
       </p:ext>
     </p:extLst>
   </p:cSld>
